--- a/Adorners.pptx
+++ b/Adorners.pptx
@@ -13,19 +13,21 @@
     <p:sldId id="271" r:id="rId7"/>
     <p:sldId id="270" r:id="rId8"/>
     <p:sldId id="268" r:id="rId9"/>
-    <p:sldId id="274" r:id="rId10"/>
-    <p:sldId id="275" r:id="rId11"/>
-    <p:sldId id="264" r:id="rId12"/>
-    <p:sldId id="265" r:id="rId13"/>
-    <p:sldId id="273" r:id="rId14"/>
-    <p:sldId id="272" r:id="rId15"/>
-    <p:sldId id="276" r:id="rId16"/>
-    <p:sldId id="277" r:id="rId17"/>
-    <p:sldId id="278" r:id="rId18"/>
-    <p:sldId id="260" r:id="rId19"/>
-    <p:sldId id="261" r:id="rId20"/>
-    <p:sldId id="262" r:id="rId21"/>
-    <p:sldId id="263" r:id="rId22"/>
+    <p:sldId id="280" r:id="rId10"/>
+    <p:sldId id="274" r:id="rId11"/>
+    <p:sldId id="275" r:id="rId12"/>
+    <p:sldId id="264" r:id="rId13"/>
+    <p:sldId id="265" r:id="rId14"/>
+    <p:sldId id="273" r:id="rId15"/>
+    <p:sldId id="272" r:id="rId16"/>
+    <p:sldId id="276" r:id="rId17"/>
+    <p:sldId id="277" r:id="rId18"/>
+    <p:sldId id="278" r:id="rId19"/>
+    <p:sldId id="279" r:id="rId20"/>
+    <p:sldId id="260" r:id="rId21"/>
+    <p:sldId id="261" r:id="rId22"/>
+    <p:sldId id="262" r:id="rId23"/>
+    <p:sldId id="263" r:id="rId24"/>
   </p:sldIdLst>
   <p:sldSz cx="9144000" cy="6858000" type="screen4x3"/>
   <p:notesSz cx="6858000" cy="9144000"/>
@@ -3192,7 +3194,13 @@
           <a:p>
             <a:r>
               <a:rPr lang="en-US" dirty="0" smtClean="0"/>
-              <a:t>Adorners in WPF</a:t>
+              <a:t>PP Reminder </a:t>
+            </a:r>
+            <a:r>
+              <a:rPr lang="en-US" dirty="0" smtClean="0">
+                <a:sym typeface="Wingdings" pitchFamily="2" charset="2"/>
+              </a:rPr>
+              <a:t></a:t>
             </a:r>
             <a:endParaRPr lang="en-US" dirty="0"/>
           </a:p>
@@ -3200,20 +3208,36 @@
       </p:sp>
       <p:sp>
         <p:nvSpPr>
-          <p:cNvPr id="3" name="Text Placeholder 2"/>
-          <p:cNvSpPr>
-            <a:spLocks noGrp="1"/>
-          </p:cNvSpPr>
-          <p:nvPr>
-            <p:ph type="body" idx="1"/>
-          </p:nvPr>
-        </p:nvSpPr>
-        <p:spPr/>
-        <p:txBody>
-          <a:bodyPr/>
-          <a:lstStyle/>
-          <a:p>
-            <a:endParaRPr lang="en-US"/>
+          <p:cNvPr id="3" name="Content Placeholder 2"/>
+          <p:cNvSpPr>
+            <a:spLocks noGrp="1"/>
+          </p:cNvSpPr>
+          <p:nvPr>
+            <p:ph idx="1"/>
+          </p:nvPr>
+        </p:nvSpPr>
+        <p:spPr/>
+        <p:txBody>
+          <a:bodyPr/>
+          <a:lstStyle/>
+          <a:p>
+            <a:r>
+              <a:rPr lang="en-US" dirty="0" smtClean="0"/>
+              <a:t>Add and Remove Hyperlink</a:t>
+            </a:r>
+          </a:p>
+          <a:p>
+            <a:r>
+              <a:rPr lang="en-US" dirty="0" smtClean="0"/>
+              <a:t>Rotate and resize</a:t>
+            </a:r>
+          </a:p>
+          <a:p>
+            <a:r>
+              <a:rPr lang="en-US" dirty="0" smtClean="0"/>
+              <a:t>Change Font</a:t>
+            </a:r>
+            <a:endParaRPr lang="en-US" dirty="0"/>
           </a:p>
         </p:txBody>
       </p:sp>
@@ -3259,7 +3283,7 @@
           <a:p>
             <a:r>
               <a:rPr lang="en-US" dirty="0" smtClean="0"/>
-              <a:t>Technically</a:t>
+              <a:t>Adorners in WPF</a:t>
             </a:r>
             <a:endParaRPr lang="en-US" dirty="0"/>
           </a:p>
@@ -3267,45 +3291,20 @@
       </p:sp>
       <p:sp>
         <p:nvSpPr>
-          <p:cNvPr id="3" name="Content Placeholder 2"/>
-          <p:cNvSpPr>
-            <a:spLocks noGrp="1"/>
-          </p:cNvSpPr>
-          <p:nvPr>
-            <p:ph idx="1"/>
-          </p:nvPr>
-        </p:nvSpPr>
-        <p:spPr/>
-        <p:txBody>
-          <a:bodyPr/>
-          <a:lstStyle/>
-          <a:p>
-            <a:r>
-              <a:rPr lang="en-US" dirty="0" smtClean="0"/>
-              <a:t>A custom </a:t>
-            </a:r>
-            <a:r>
-              <a:rPr lang="en-US" dirty="0" err="1" smtClean="0"/>
-              <a:t>FrameworkElement</a:t>
-            </a:r>
-            <a:r>
-              <a:rPr lang="en-US" dirty="0" smtClean="0"/>
-              <a:t> that is bound to a </a:t>
-            </a:r>
-            <a:r>
-              <a:rPr lang="en-US" dirty="0" err="1" smtClean="0"/>
-              <a:t>UIElement</a:t>
-            </a:r>
-            <a:endParaRPr lang="en-US" dirty="0" smtClean="0"/>
-          </a:p>
-          <a:p>
-            <a:r>
-              <a:rPr lang="en-US" dirty="0" smtClean="0"/>
-              <a:t>Inherits from abstract class Adorner</a:t>
-            </a:r>
-          </a:p>
-          <a:p>
-            <a:endParaRPr lang="en-US" dirty="0"/>
+          <p:cNvPr id="3" name="Text Placeholder 2"/>
+          <p:cNvSpPr>
+            <a:spLocks noGrp="1"/>
+          </p:cNvSpPr>
+          <p:nvPr>
+            <p:ph type="body" idx="1"/>
+          </p:nvPr>
+        </p:nvSpPr>
+        <p:spPr/>
+        <p:txBody>
+          <a:bodyPr/>
+          <a:lstStyle/>
+          <a:p>
+            <a:endParaRPr lang="en-US"/>
           </a:p>
         </p:txBody>
       </p:sp>
@@ -3318,6 +3317,98 @@
 </file>
 
 <file path=ppt/slides/slide12.xml><?xml version="1.0" encoding="utf-8"?>
+<p:sld xmlns:a="http://schemas.openxmlformats.org/drawingml/2006/main" xmlns:r="http://schemas.openxmlformats.org/officeDocument/2006/relationships" xmlns:p="http://schemas.openxmlformats.org/presentationml/2006/main">
+  <p:cSld>
+    <p:spTree>
+      <p:nvGrpSpPr>
+        <p:cNvPr id="1" name=""/>
+        <p:cNvGrpSpPr/>
+        <p:nvPr/>
+      </p:nvGrpSpPr>
+      <p:grpSpPr>
+        <a:xfrm>
+          <a:off x="0" y="0"/>
+          <a:ext cx="0" cy="0"/>
+          <a:chOff x="0" y="0"/>
+          <a:chExt cx="0" cy="0"/>
+        </a:xfrm>
+      </p:grpSpPr>
+      <p:sp>
+        <p:nvSpPr>
+          <p:cNvPr id="2" name="Title 1"/>
+          <p:cNvSpPr>
+            <a:spLocks noGrp="1"/>
+          </p:cNvSpPr>
+          <p:nvPr>
+            <p:ph type="title"/>
+          </p:nvPr>
+        </p:nvSpPr>
+        <p:spPr/>
+        <p:txBody>
+          <a:bodyPr/>
+          <a:lstStyle/>
+          <a:p>
+            <a:r>
+              <a:rPr lang="en-US" dirty="0" smtClean="0"/>
+              <a:t>Technically</a:t>
+            </a:r>
+            <a:endParaRPr lang="en-US" dirty="0"/>
+          </a:p>
+        </p:txBody>
+      </p:sp>
+      <p:sp>
+        <p:nvSpPr>
+          <p:cNvPr id="3" name="Content Placeholder 2"/>
+          <p:cNvSpPr>
+            <a:spLocks noGrp="1"/>
+          </p:cNvSpPr>
+          <p:nvPr>
+            <p:ph idx="1"/>
+          </p:nvPr>
+        </p:nvSpPr>
+        <p:spPr/>
+        <p:txBody>
+          <a:bodyPr/>
+          <a:lstStyle/>
+          <a:p>
+            <a:r>
+              <a:rPr lang="en-US" dirty="0" smtClean="0"/>
+              <a:t>A custom </a:t>
+            </a:r>
+            <a:r>
+              <a:rPr lang="en-US" dirty="0" err="1" smtClean="0"/>
+              <a:t>FrameworkElement</a:t>
+            </a:r>
+            <a:r>
+              <a:rPr lang="en-US" dirty="0" smtClean="0"/>
+              <a:t> that is bound to a </a:t>
+            </a:r>
+            <a:r>
+              <a:rPr lang="en-US" dirty="0" err="1" smtClean="0"/>
+              <a:t>UIElement</a:t>
+            </a:r>
+            <a:endParaRPr lang="en-US" dirty="0" smtClean="0"/>
+          </a:p>
+          <a:p>
+            <a:r>
+              <a:rPr lang="en-US" dirty="0" smtClean="0"/>
+              <a:t>Inherits from abstract class Adorner</a:t>
+            </a:r>
+          </a:p>
+          <a:p>
+            <a:endParaRPr lang="en-US" dirty="0"/>
+          </a:p>
+        </p:txBody>
+      </p:sp>
+    </p:spTree>
+  </p:cSld>
+  <p:clrMapOvr>
+    <a:masterClrMapping/>
+  </p:clrMapOvr>
+</p:sld>
+</file>
+
+<file path=ppt/slides/slide13.xml><?xml version="1.0" encoding="utf-8"?>
 <p:sld xmlns:a="http://schemas.openxmlformats.org/drawingml/2006/main" xmlns:r="http://schemas.openxmlformats.org/officeDocument/2006/relationships" xmlns:p="http://schemas.openxmlformats.org/presentationml/2006/main">
   <p:cSld>
     <p:spTree>
@@ -3391,7 +3482,7 @@
 </p:sld>
 </file>
 
-<file path=ppt/slides/slide13.xml><?xml version="1.0" encoding="utf-8"?>
+<file path=ppt/slides/slide14.xml><?xml version="1.0" encoding="utf-8"?>
 <p:sld xmlns:a="http://schemas.openxmlformats.org/drawingml/2006/main" xmlns:r="http://schemas.openxmlformats.org/officeDocument/2006/relationships" xmlns:p="http://schemas.openxmlformats.org/presentationml/2006/main">
   <p:cSld>
     <p:spTree>
@@ -3450,26 +3541,14 @@
           <a:p>
             <a:r>
               <a:rPr lang="en-US" dirty="0" smtClean="0"/>
-              <a:t> </a:t>
-            </a:r>
-            <a:r>
-              <a:rPr lang="en-US" dirty="0" smtClean="0"/>
-              <a:t>Visual</a:t>
+              <a:t> Visual</a:t>
             </a:r>
           </a:p>
           <a:p>
             <a:pPr lvl="1"/>
             <a:r>
               <a:rPr lang="en-US" dirty="0" smtClean="0"/>
-              <a:t>provides </a:t>
-            </a:r>
-            <a:r>
-              <a:rPr lang="en-US" dirty="0" smtClean="0"/>
-              <a:t>for building a tree of visual </a:t>
-            </a:r>
-            <a:r>
-              <a:rPr lang="en-US" dirty="0" smtClean="0"/>
-              <a:t>objects</a:t>
+              <a:t>provides for building a tree of visual objects</a:t>
             </a:r>
           </a:p>
           <a:p>
@@ -3483,11 +3562,7 @@
             <a:pPr lvl="1"/>
             <a:r>
               <a:rPr lang="en-US" dirty="0" smtClean="0"/>
-              <a:t>defines core subsystems including Layout, Input, and </a:t>
-            </a:r>
-            <a:r>
-              <a:rPr lang="en-US" dirty="0" smtClean="0"/>
-              <a:t>Events</a:t>
+              <a:t>defines core subsystems including Layout, Input, and Events</a:t>
             </a:r>
           </a:p>
           <a:p>
@@ -3500,11 +3575,7 @@
             <a:pPr lvl="1"/>
             <a:r>
               <a:rPr lang="en-US" dirty="0" smtClean="0"/>
-              <a:t>builds </a:t>
-            </a:r>
-            <a:r>
-              <a:rPr lang="en-US" dirty="0" smtClean="0"/>
-              <a:t>on the basic layout contract introduced by </a:t>
+              <a:t>builds on the basic layout contract introduced by </a:t>
             </a:r>
             <a:r>
               <a:rPr lang="en-US" dirty="0" err="1" smtClean="0"/>
@@ -3512,11 +3583,7 @@
             </a:r>
             <a:r>
               <a:rPr lang="en-US" dirty="0" smtClean="0"/>
-              <a:t> and adds the notion of a layout "</a:t>
-            </a:r>
-            <a:r>
-              <a:rPr lang="en-US" dirty="0" smtClean="0"/>
-              <a:t>slot”</a:t>
+              <a:t> and adds the notion of a layout "slot”</a:t>
             </a:r>
           </a:p>
           <a:p>
@@ -3551,7 +3618,7 @@
 </p:sld>
 </file>
 
-<file path=ppt/slides/slide14.xml><?xml version="1.0" encoding="utf-8"?>
+<file path=ppt/slides/slide15.xml><?xml version="1.0" encoding="utf-8"?>
 <p:sld xmlns:a="http://schemas.openxmlformats.org/drawingml/2006/main" xmlns:r="http://schemas.openxmlformats.org/officeDocument/2006/relationships" xmlns:p="http://schemas.openxmlformats.org/presentationml/2006/main">
   <p:cSld>
     <p:spTree>
@@ -3711,7 +3778,7 @@
 </p:sld>
 </file>
 
-<file path=ppt/slides/slide15.xml><?xml version="1.0" encoding="utf-8"?>
+<file path=ppt/slides/slide16.xml><?xml version="1.0" encoding="utf-8"?>
 <p:sld xmlns:a="http://schemas.openxmlformats.org/drawingml/2006/main" xmlns:r="http://schemas.openxmlformats.org/officeDocument/2006/relationships" xmlns:p="http://schemas.openxmlformats.org/presentationml/2006/main">
   <p:cSld>
     <p:spTree>
@@ -3810,7 +3877,7 @@
 </p:sld>
 </file>
 
-<file path=ppt/slides/slide16.xml><?xml version="1.0" encoding="utf-8"?>
+<file path=ppt/slides/slide17.xml><?xml version="1.0" encoding="utf-8"?>
 <p:sld xmlns:a="http://schemas.openxmlformats.org/drawingml/2006/main" xmlns:r="http://schemas.openxmlformats.org/officeDocument/2006/relationships" xmlns:p="http://schemas.openxmlformats.org/presentationml/2006/main">
   <p:cSld>
     <p:spTree>
@@ -3970,73 +4037,6 @@
 </p:sld>
 </file>
 
-<file path=ppt/slides/slide17.xml><?xml version="1.0" encoding="utf-8"?>
-<p:sld xmlns:a="http://schemas.openxmlformats.org/drawingml/2006/main" xmlns:r="http://schemas.openxmlformats.org/officeDocument/2006/relationships" xmlns:p="http://schemas.openxmlformats.org/presentationml/2006/main">
-  <p:cSld>
-    <p:spTree>
-      <p:nvGrpSpPr>
-        <p:cNvPr id="1" name=""/>
-        <p:cNvGrpSpPr/>
-        <p:nvPr/>
-      </p:nvGrpSpPr>
-      <p:grpSpPr>
-        <a:xfrm>
-          <a:off x="0" y="0"/>
-          <a:ext cx="0" cy="0"/>
-          <a:chOff x="0" y="0"/>
-          <a:chExt cx="0" cy="0"/>
-        </a:xfrm>
-      </p:grpSpPr>
-      <p:sp>
-        <p:nvSpPr>
-          <p:cNvPr id="2" name="Title 1"/>
-          <p:cNvSpPr>
-            <a:spLocks noGrp="1"/>
-          </p:cNvSpPr>
-          <p:nvPr>
-            <p:ph type="title"/>
-          </p:nvPr>
-        </p:nvSpPr>
-        <p:spPr/>
-        <p:txBody>
-          <a:bodyPr/>
-          <a:lstStyle/>
-          <a:p>
-            <a:r>
-              <a:rPr lang="en-US" dirty="0" smtClean="0"/>
-              <a:t>Grid demo</a:t>
-            </a:r>
-            <a:endParaRPr lang="en-US" dirty="0"/>
-          </a:p>
-        </p:txBody>
-      </p:sp>
-      <p:sp>
-        <p:nvSpPr>
-          <p:cNvPr id="3" name="Text Placeholder 2"/>
-          <p:cNvSpPr>
-            <a:spLocks noGrp="1"/>
-          </p:cNvSpPr>
-          <p:nvPr>
-            <p:ph type="body" idx="1"/>
-          </p:nvPr>
-        </p:nvSpPr>
-        <p:spPr/>
-        <p:txBody>
-          <a:bodyPr/>
-          <a:lstStyle/>
-          <a:p>
-            <a:endParaRPr lang="en-US"/>
-          </a:p>
-        </p:txBody>
-      </p:sp>
-    </p:spTree>
-  </p:cSld>
-  <p:clrMapOvr>
-    <a:masterClrMapping/>
-  </p:clrMapOvr>
-</p:sld>
-</file>
-
 <file path=ppt/slides/slide18.xml><?xml version="1.0" encoding="utf-8"?>
 <p:sld xmlns:a="http://schemas.openxmlformats.org/drawingml/2006/main" xmlns:r="http://schemas.openxmlformats.org/officeDocument/2006/relationships" xmlns:p="http://schemas.openxmlformats.org/presentationml/2006/main">
   <p:cSld>
@@ -4071,7 +4071,7 @@
           <a:p>
             <a:r>
               <a:rPr lang="en-US" dirty="0" smtClean="0"/>
-              <a:t>Is required demo</a:t>
+              <a:t>Grid demo</a:t>
             </a:r>
             <a:endParaRPr lang="en-US" dirty="0"/>
           </a:p>
@@ -4138,7 +4138,11 @@
           <a:p>
             <a:r>
               <a:rPr lang="en-US" dirty="0" smtClean="0"/>
-              <a:t>Loading demo</a:t>
+              <a:t>Creating a </a:t>
+            </a:r>
+            <a:r>
+              <a:rPr lang="en-US" dirty="0" err="1" smtClean="0"/>
+              <a:t>UIElement</a:t>
             </a:r>
             <a:endParaRPr lang="en-US" dirty="0"/>
           </a:p>
@@ -4146,20 +4150,79 @@
       </p:sp>
       <p:sp>
         <p:nvSpPr>
-          <p:cNvPr id="3" name="Text Placeholder 2"/>
-          <p:cNvSpPr>
-            <a:spLocks noGrp="1"/>
-          </p:cNvSpPr>
-          <p:nvPr>
-            <p:ph type="body" idx="1"/>
-          </p:nvPr>
-        </p:nvSpPr>
-        <p:spPr/>
-        <p:txBody>
-          <a:bodyPr/>
-          <a:lstStyle/>
-          <a:p>
-            <a:endParaRPr lang="en-US"/>
+          <p:cNvPr id="3" name="Content Placeholder 2"/>
+          <p:cNvSpPr>
+            <a:spLocks noGrp="1"/>
+          </p:cNvSpPr>
+          <p:nvPr>
+            <p:ph idx="1"/>
+          </p:nvPr>
+        </p:nvSpPr>
+        <p:spPr/>
+        <p:txBody>
+          <a:bodyPr/>
+          <a:lstStyle/>
+          <a:p>
+            <a:r>
+              <a:rPr lang="en-US" dirty="0" smtClean="0"/>
+              <a:t>Visual Collection </a:t>
+            </a:r>
+          </a:p>
+          <a:p>
+            <a:pPr lvl="1"/>
+            <a:r>
+              <a:rPr lang="en-US" dirty="0" smtClean="0"/>
+              <a:t>&lt;- pass in parent element into constructor</a:t>
+            </a:r>
+          </a:p>
+          <a:p>
+            <a:r>
+              <a:rPr lang="en-US" dirty="0" smtClean="0"/>
+              <a:t>Override </a:t>
+            </a:r>
+            <a:r>
+              <a:rPr lang="en-US" dirty="0" err="1" smtClean="0"/>
+              <a:t>VisualChildrenCount</a:t>
+            </a:r>
+            <a:endParaRPr lang="en-US" dirty="0" smtClean="0"/>
+          </a:p>
+          <a:p>
+            <a:r>
+              <a:rPr lang="en-US" dirty="0" smtClean="0"/>
+              <a:t>Override </a:t>
+            </a:r>
+            <a:r>
+              <a:rPr lang="en-US" dirty="0" err="1" smtClean="0"/>
+              <a:t>GetVisualChild</a:t>
+            </a:r>
+            <a:endParaRPr lang="en-US" dirty="0" smtClean="0"/>
+          </a:p>
+          <a:p>
+            <a:r>
+              <a:rPr lang="en-US" dirty="0" smtClean="0"/>
+              <a:t>Override Measure</a:t>
+            </a:r>
+          </a:p>
+          <a:p>
+            <a:pPr lvl="1"/>
+            <a:r>
+              <a:rPr lang="en-US" dirty="0" smtClean="0"/>
+              <a:t>Measure child visuals</a:t>
+            </a:r>
+          </a:p>
+          <a:p>
+            <a:r>
+              <a:rPr lang="en-US" dirty="0" smtClean="0"/>
+              <a:t>Override Arrange</a:t>
+            </a:r>
+          </a:p>
+          <a:p>
+            <a:pPr lvl="1"/>
+            <a:r>
+              <a:rPr lang="en-US" dirty="0" smtClean="0"/>
+              <a:t>Arrange child visuals</a:t>
+            </a:r>
+            <a:endParaRPr lang="en-US" dirty="0"/>
           </a:p>
         </p:txBody>
       </p:sp>
@@ -4324,7 +4387,7 @@
           <a:p>
             <a:r>
               <a:rPr lang="en-US" dirty="0" smtClean="0"/>
-              <a:t>Windows 7 preview demo</a:t>
+              <a:t>Is required demo</a:t>
             </a:r>
             <a:endParaRPr lang="en-US" dirty="0"/>
           </a:p>
@@ -4358,6 +4421,140 @@
 </file>
 
 <file path=ppt/slides/slide21.xml><?xml version="1.0" encoding="utf-8"?>
+<p:sld xmlns:a="http://schemas.openxmlformats.org/drawingml/2006/main" xmlns:r="http://schemas.openxmlformats.org/officeDocument/2006/relationships" xmlns:p="http://schemas.openxmlformats.org/presentationml/2006/main">
+  <p:cSld>
+    <p:spTree>
+      <p:nvGrpSpPr>
+        <p:cNvPr id="1" name=""/>
+        <p:cNvGrpSpPr/>
+        <p:nvPr/>
+      </p:nvGrpSpPr>
+      <p:grpSpPr>
+        <a:xfrm>
+          <a:off x="0" y="0"/>
+          <a:ext cx="0" cy="0"/>
+          <a:chOff x="0" y="0"/>
+          <a:chExt cx="0" cy="0"/>
+        </a:xfrm>
+      </p:grpSpPr>
+      <p:sp>
+        <p:nvSpPr>
+          <p:cNvPr id="2" name="Title 1"/>
+          <p:cNvSpPr>
+            <a:spLocks noGrp="1"/>
+          </p:cNvSpPr>
+          <p:nvPr>
+            <p:ph type="title"/>
+          </p:nvPr>
+        </p:nvSpPr>
+        <p:spPr/>
+        <p:txBody>
+          <a:bodyPr/>
+          <a:lstStyle/>
+          <a:p>
+            <a:r>
+              <a:rPr lang="en-US" dirty="0" smtClean="0"/>
+              <a:t>Loading demo</a:t>
+            </a:r>
+            <a:endParaRPr lang="en-US" dirty="0"/>
+          </a:p>
+        </p:txBody>
+      </p:sp>
+      <p:sp>
+        <p:nvSpPr>
+          <p:cNvPr id="3" name="Text Placeholder 2"/>
+          <p:cNvSpPr>
+            <a:spLocks noGrp="1"/>
+          </p:cNvSpPr>
+          <p:nvPr>
+            <p:ph type="body" idx="1"/>
+          </p:nvPr>
+        </p:nvSpPr>
+        <p:spPr/>
+        <p:txBody>
+          <a:bodyPr/>
+          <a:lstStyle/>
+          <a:p>
+            <a:endParaRPr lang="en-US"/>
+          </a:p>
+        </p:txBody>
+      </p:sp>
+    </p:spTree>
+  </p:cSld>
+  <p:clrMapOvr>
+    <a:masterClrMapping/>
+  </p:clrMapOvr>
+</p:sld>
+</file>
+
+<file path=ppt/slides/slide22.xml><?xml version="1.0" encoding="utf-8"?>
+<p:sld xmlns:a="http://schemas.openxmlformats.org/drawingml/2006/main" xmlns:r="http://schemas.openxmlformats.org/officeDocument/2006/relationships" xmlns:p="http://schemas.openxmlformats.org/presentationml/2006/main">
+  <p:cSld>
+    <p:spTree>
+      <p:nvGrpSpPr>
+        <p:cNvPr id="1" name=""/>
+        <p:cNvGrpSpPr/>
+        <p:nvPr/>
+      </p:nvGrpSpPr>
+      <p:grpSpPr>
+        <a:xfrm>
+          <a:off x="0" y="0"/>
+          <a:ext cx="0" cy="0"/>
+          <a:chOff x="0" y="0"/>
+          <a:chExt cx="0" cy="0"/>
+        </a:xfrm>
+      </p:grpSpPr>
+      <p:sp>
+        <p:nvSpPr>
+          <p:cNvPr id="2" name="Title 1"/>
+          <p:cNvSpPr>
+            <a:spLocks noGrp="1"/>
+          </p:cNvSpPr>
+          <p:nvPr>
+            <p:ph type="title"/>
+          </p:nvPr>
+        </p:nvSpPr>
+        <p:spPr/>
+        <p:txBody>
+          <a:bodyPr/>
+          <a:lstStyle/>
+          <a:p>
+            <a:r>
+              <a:rPr lang="en-US" dirty="0" smtClean="0"/>
+              <a:t>Windows 7 preview demo</a:t>
+            </a:r>
+            <a:endParaRPr lang="en-US" dirty="0"/>
+          </a:p>
+        </p:txBody>
+      </p:sp>
+      <p:sp>
+        <p:nvSpPr>
+          <p:cNvPr id="3" name="Text Placeholder 2"/>
+          <p:cNvSpPr>
+            <a:spLocks noGrp="1"/>
+          </p:cNvSpPr>
+          <p:nvPr>
+            <p:ph type="body" idx="1"/>
+          </p:nvPr>
+        </p:nvSpPr>
+        <p:spPr/>
+        <p:txBody>
+          <a:bodyPr/>
+          <a:lstStyle/>
+          <a:p>
+            <a:endParaRPr lang="en-US"/>
+          </a:p>
+        </p:txBody>
+      </p:sp>
+    </p:spTree>
+  </p:cSld>
+  <p:clrMapOvr>
+    <a:masterClrMapping/>
+  </p:clrMapOvr>
+</p:sld>
+</file>
+
+<file path=ppt/slides/slide23.xml><?xml version="1.0" encoding="utf-8"?>
 <p:sld xmlns:a="http://schemas.openxmlformats.org/drawingml/2006/main" xmlns:r="http://schemas.openxmlformats.org/officeDocument/2006/relationships" xmlns:p="http://schemas.openxmlformats.org/presentationml/2006/main">
   <p:cSld>
     <p:spTree>
@@ -4944,13 +5141,7 @@
           <a:p>
             <a:r>
               <a:rPr lang="en-US" dirty="0" smtClean="0"/>
-              <a:t>PP Reminder </a:t>
-            </a:r>
-            <a:r>
-              <a:rPr lang="en-US" dirty="0" smtClean="0">
-                <a:sym typeface="Wingdings" pitchFamily="2" charset="2"/>
-              </a:rPr>
-              <a:t></a:t>
+              <a:t>Visual studio</a:t>
             </a:r>
             <a:endParaRPr lang="en-US" dirty="0"/>
           </a:p>
@@ -4958,36 +5149,20 @@
       </p:sp>
       <p:sp>
         <p:nvSpPr>
-          <p:cNvPr id="3" name="Content Placeholder 2"/>
-          <p:cNvSpPr>
-            <a:spLocks noGrp="1"/>
-          </p:cNvSpPr>
-          <p:nvPr>
-            <p:ph idx="1"/>
-          </p:nvPr>
-        </p:nvSpPr>
-        <p:spPr/>
-        <p:txBody>
-          <a:bodyPr/>
-          <a:lstStyle/>
-          <a:p>
-            <a:r>
-              <a:rPr lang="en-US" dirty="0" smtClean="0"/>
-              <a:t>Add and Remove Hyperlink</a:t>
-            </a:r>
-          </a:p>
-          <a:p>
-            <a:r>
-              <a:rPr lang="en-US" dirty="0" smtClean="0"/>
-              <a:t>Rotate and resize</a:t>
-            </a:r>
-          </a:p>
-          <a:p>
-            <a:r>
-              <a:rPr lang="en-US" dirty="0" smtClean="0"/>
-              <a:t>Change Font</a:t>
-            </a:r>
-            <a:endParaRPr lang="en-US" dirty="0"/>
+          <p:cNvPr id="3" name="Text Placeholder 2"/>
+          <p:cNvSpPr>
+            <a:spLocks noGrp="1"/>
+          </p:cNvSpPr>
+          <p:nvPr>
+            <p:ph type="body" idx="1"/>
+          </p:nvPr>
+        </p:nvSpPr>
+        <p:spPr/>
+        <p:txBody>
+          <a:bodyPr/>
+          <a:lstStyle/>
+          <a:p>
+            <a:endParaRPr lang="en-US"/>
           </a:p>
         </p:txBody>
       </p:sp>
